--- a/ticketOutTheDoor/set28/RecursionPractice.pptx
+++ b/ticketOutTheDoor/set28/RecursionPractice.pptx
@@ -110,6 +110,11 @@
       </a:defRPr>
     </a:lvl9pPr>
   </p:defaultTextStyle>
+  <p:extLst>
+    <p:ext uri="{EFAFB233-063F-42B5-8137-9DF3F51BA10A}">
+      <p15:sldGuideLst xmlns:p15="http://schemas.microsoft.com/office/powerpoint/2012/main"/>
+    </p:ext>
+  </p:extLst>
 </p:presentation>
 </file>
 
@@ -195,7 +200,7 @@
           <a:p>
             <a:fld id="{7AA669EE-AA14-44CC-84DC-D34A4331F3D9}" type="datetimeFigureOut">
               <a:rPr lang="en-US" smtClean="0"/>
-              <a:t>4/5/2022</a:t>
+              <a:t>3/30/2023</a:t>
             </a:fld>
             <a:endParaRPr lang="en-US"/>
           </a:p>
@@ -693,7 +698,7 @@
           <a:p>
             <a:fld id="{26209797-4FBC-4B8B-AD06-CD4DA8CE44D5}" type="datetimeFigureOut">
               <a:rPr lang="en-US" smtClean="0"/>
-              <a:t>4/5/2022</a:t>
+              <a:t>3/30/2023</a:t>
             </a:fld>
             <a:endParaRPr lang="en-US"/>
           </a:p>
@@ -891,7 +896,7 @@
           <a:p>
             <a:fld id="{26209797-4FBC-4B8B-AD06-CD4DA8CE44D5}" type="datetimeFigureOut">
               <a:rPr lang="en-US" smtClean="0"/>
-              <a:t>4/5/2022</a:t>
+              <a:t>3/30/2023</a:t>
             </a:fld>
             <a:endParaRPr lang="en-US"/>
           </a:p>
@@ -1099,7 +1104,7 @@
           <a:p>
             <a:fld id="{26209797-4FBC-4B8B-AD06-CD4DA8CE44D5}" type="datetimeFigureOut">
               <a:rPr lang="en-US" smtClean="0"/>
-              <a:t>4/5/2022</a:t>
+              <a:t>3/30/2023</a:t>
             </a:fld>
             <a:endParaRPr lang="en-US"/>
           </a:p>
@@ -1297,7 +1302,7 @@
           <a:p>
             <a:fld id="{26209797-4FBC-4B8B-AD06-CD4DA8CE44D5}" type="datetimeFigureOut">
               <a:rPr lang="en-US" smtClean="0"/>
-              <a:t>4/5/2022</a:t>
+              <a:t>3/30/2023</a:t>
             </a:fld>
             <a:endParaRPr lang="en-US"/>
           </a:p>
@@ -1572,7 +1577,7 @@
           <a:p>
             <a:fld id="{26209797-4FBC-4B8B-AD06-CD4DA8CE44D5}" type="datetimeFigureOut">
               <a:rPr lang="en-US" smtClean="0"/>
-              <a:t>4/5/2022</a:t>
+              <a:t>3/30/2023</a:t>
             </a:fld>
             <a:endParaRPr lang="en-US"/>
           </a:p>
@@ -1837,7 +1842,7 @@
           <a:p>
             <a:fld id="{26209797-4FBC-4B8B-AD06-CD4DA8CE44D5}" type="datetimeFigureOut">
               <a:rPr lang="en-US" smtClean="0"/>
-              <a:t>4/5/2022</a:t>
+              <a:t>3/30/2023</a:t>
             </a:fld>
             <a:endParaRPr lang="en-US"/>
           </a:p>
@@ -2249,7 +2254,7 @@
           <a:p>
             <a:fld id="{26209797-4FBC-4B8B-AD06-CD4DA8CE44D5}" type="datetimeFigureOut">
               <a:rPr lang="en-US" smtClean="0"/>
-              <a:t>4/5/2022</a:t>
+              <a:t>3/30/2023</a:t>
             </a:fld>
             <a:endParaRPr lang="en-US"/>
           </a:p>
@@ -2390,7 +2395,7 @@
           <a:p>
             <a:fld id="{26209797-4FBC-4B8B-AD06-CD4DA8CE44D5}" type="datetimeFigureOut">
               <a:rPr lang="en-US" smtClean="0"/>
-              <a:t>4/5/2022</a:t>
+              <a:t>3/30/2023</a:t>
             </a:fld>
             <a:endParaRPr lang="en-US"/>
           </a:p>
@@ -2503,7 +2508,7 @@
           <a:p>
             <a:fld id="{26209797-4FBC-4B8B-AD06-CD4DA8CE44D5}" type="datetimeFigureOut">
               <a:rPr lang="en-US" smtClean="0"/>
-              <a:t>4/5/2022</a:t>
+              <a:t>3/30/2023</a:t>
             </a:fld>
             <a:endParaRPr lang="en-US"/>
           </a:p>
@@ -2814,7 +2819,7 @@
           <a:p>
             <a:fld id="{26209797-4FBC-4B8B-AD06-CD4DA8CE44D5}" type="datetimeFigureOut">
               <a:rPr lang="en-US" smtClean="0"/>
-              <a:t>4/5/2022</a:t>
+              <a:t>3/30/2023</a:t>
             </a:fld>
             <a:endParaRPr lang="en-US"/>
           </a:p>
@@ -3102,7 +3107,7 @@
           <a:p>
             <a:fld id="{26209797-4FBC-4B8B-AD06-CD4DA8CE44D5}" type="datetimeFigureOut">
               <a:rPr lang="en-US" smtClean="0"/>
-              <a:t>4/5/2022</a:t>
+              <a:t>3/30/2023</a:t>
             </a:fld>
             <a:endParaRPr lang="en-US"/>
           </a:p>
@@ -3343,7 +3348,7 @@
           <a:p>
             <a:fld id="{26209797-4FBC-4B8B-AD06-CD4DA8CE44D5}" type="datetimeFigureOut">
               <a:rPr lang="en-US" smtClean="0"/>
-              <a:t>4/5/2022</a:t>
+              <a:t>3/30/2023</a:t>
             </a:fld>
             <a:endParaRPr lang="en-US"/>
           </a:p>
@@ -4619,8 +4624,8 @@
         </p:nvSpPr>
         <p:spPr>
           <a:xfrm>
-            <a:off x="5697785" y="1232533"/>
-            <a:ext cx="6096000" cy="1754326"/>
+            <a:off x="5420032" y="1041871"/>
+            <a:ext cx="6096000" cy="923330"/>
           </a:xfrm>
           <a:prstGeom prst="rect">
             <a:avLst/>
@@ -4681,338 +4686,117 @@
                 <a:effectLst/>
                 <a:latin typeface="Consolas" panose="020B0609020204030204" pitchFamily="49" charset="0"/>
               </a:rPr>
-              <a:t>int</a:t>
-            </a:r>
-            <a:r>
-              <a:rPr lang="en-US" b="0" dirty="0">
-                <a:solidFill>
-                  <a:srgbClr val="000000"/>
-                </a:solidFill>
-                <a:effectLst/>
-                <a:latin typeface="Consolas" panose="020B0609020204030204" pitchFamily="49" charset="0"/>
-              </a:rPr>
-              <a:t> a[] = {</a:t>
-            </a:r>
-            <a:r>
-              <a:rPr lang="en-US" b="0" dirty="0">
+              <a:t>void</a:t>
+            </a:r>
+            <a:r>
+              <a:rPr lang="en-US" b="0" dirty="0">
+                <a:solidFill>
+                  <a:srgbClr val="000000"/>
+                </a:solidFill>
+                <a:effectLst/>
+                <a:latin typeface="Consolas" panose="020B0609020204030204" pitchFamily="49" charset="0"/>
+              </a:rPr>
+              <a:t> main(</a:t>
+            </a:r>
+            <a:r>
+              <a:rPr lang="en-US" b="0" dirty="0">
+                <a:solidFill>
+                  <a:srgbClr val="0000FF"/>
+                </a:solidFill>
+                <a:effectLst/>
+                <a:latin typeface="Consolas" panose="020B0609020204030204" pitchFamily="49" charset="0"/>
+              </a:rPr>
+              <a:t>String</a:t>
+            </a:r>
+            <a:r>
+              <a:rPr lang="en-US" b="0" dirty="0">
+                <a:solidFill>
+                  <a:srgbClr val="000000"/>
+                </a:solidFill>
+                <a:effectLst/>
+                <a:latin typeface="Consolas" panose="020B0609020204030204" pitchFamily="49" charset="0"/>
+              </a:rPr>
+              <a:t> </a:t>
+            </a:r>
+            <a:r>
+              <a:rPr lang="en-US" b="0" dirty="0" err="1">
+                <a:solidFill>
+                  <a:srgbClr val="000000"/>
+                </a:solidFill>
+                <a:effectLst/>
+                <a:latin typeface="Consolas" panose="020B0609020204030204" pitchFamily="49" charset="0"/>
+              </a:rPr>
+              <a:t>args</a:t>
+            </a:r>
+            <a:r>
+              <a:rPr lang="en-US" b="0" dirty="0">
+                <a:solidFill>
+                  <a:srgbClr val="000000"/>
+                </a:solidFill>
+                <a:effectLst/>
+                <a:latin typeface="Consolas" panose="020B0609020204030204" pitchFamily="49" charset="0"/>
+              </a:rPr>
+              <a:t>[]){</a:t>
+            </a:r>
+          </a:p>
+          <a:p>
+            <a:r>
+              <a:rPr lang="en-US" b="0" dirty="0">
+                <a:solidFill>
+                  <a:srgbClr val="000000"/>
+                </a:solidFill>
+                <a:effectLst/>
+                <a:latin typeface="Consolas" panose="020B0609020204030204" pitchFamily="49" charset="0"/>
+              </a:rPr>
+              <a:t>      </a:t>
+            </a:r>
+            <a:r>
+              <a:rPr lang="en-US" b="0" dirty="0" err="1">
+                <a:solidFill>
+                  <a:srgbClr val="000000"/>
+                </a:solidFill>
+                <a:effectLst/>
+                <a:latin typeface="Consolas" panose="020B0609020204030204" pitchFamily="49" charset="0"/>
+              </a:rPr>
+              <a:t>System.out.println</a:t>
+            </a:r>
+            <a:r>
+              <a:rPr lang="en-US" b="0" dirty="0">
+                <a:solidFill>
+                  <a:srgbClr val="000000"/>
+                </a:solidFill>
+                <a:effectLst/>
+                <a:latin typeface="Consolas" panose="020B0609020204030204" pitchFamily="49" charset="0"/>
+              </a:rPr>
+              <a:t>(</a:t>
+            </a:r>
+            <a:r>
+              <a:rPr lang="en-US" dirty="0">
+                <a:solidFill>
+                  <a:srgbClr val="000000"/>
+                </a:solidFill>
+                <a:latin typeface="Consolas" panose="020B0609020204030204" pitchFamily="49" charset="0"/>
+              </a:rPr>
+              <a:t>fun1</a:t>
+            </a:r>
+            <a:r>
+              <a:rPr lang="en-US" b="0" dirty="0">
+                <a:solidFill>
+                  <a:srgbClr val="000000"/>
+                </a:solidFill>
+                <a:effectLst/>
+                <a:latin typeface="Consolas" panose="020B0609020204030204" pitchFamily="49" charset="0"/>
+              </a:rPr>
+              <a:t>(</a:t>
+            </a:r>
+            <a:r>
+              <a:rPr lang="en-US" dirty="0">
                 <a:solidFill>
                   <a:srgbClr val="098658"/>
                 </a:solidFill>
-                <a:effectLst/>
-                <a:latin typeface="Consolas" panose="020B0609020204030204" pitchFamily="49" charset="0"/>
-              </a:rPr>
-              <a:t>1</a:t>
-            </a:r>
-            <a:r>
-              <a:rPr lang="en-US" b="0" dirty="0">
-                <a:solidFill>
-                  <a:srgbClr val="000000"/>
-                </a:solidFill>
-                <a:effectLst/>
-                <a:latin typeface="Consolas" panose="020B0609020204030204" pitchFamily="49" charset="0"/>
-              </a:rPr>
-              <a:t>, </a:t>
-            </a:r>
-            <a:r>
-              <a:rPr lang="en-US" b="0" dirty="0">
-                <a:solidFill>
-                  <a:srgbClr val="098658"/>
-                </a:solidFill>
-                <a:effectLst/>
-                <a:latin typeface="Consolas" panose="020B0609020204030204" pitchFamily="49" charset="0"/>
-              </a:rPr>
-              <a:t>2</a:t>
-            </a:r>
-            <a:r>
-              <a:rPr lang="en-US" b="0" dirty="0">
-                <a:solidFill>
-                  <a:srgbClr val="000000"/>
-                </a:solidFill>
-                <a:effectLst/>
-                <a:latin typeface="Consolas" panose="020B0609020204030204" pitchFamily="49" charset="0"/>
-              </a:rPr>
-              <a:t>, </a:t>
-            </a:r>
-            <a:r>
-              <a:rPr lang="en-US" b="0" dirty="0">
-                <a:solidFill>
-                  <a:srgbClr val="098658"/>
-                </a:solidFill>
-                <a:effectLst/>
-                <a:latin typeface="Consolas" panose="020B0609020204030204" pitchFamily="49" charset="0"/>
-              </a:rPr>
-              <a:t>3</a:t>
-            </a:r>
-            <a:r>
-              <a:rPr lang="en-US" b="0" dirty="0">
-                <a:solidFill>
-                  <a:srgbClr val="000000"/>
-                </a:solidFill>
-                <a:effectLst/>
-                <a:latin typeface="Consolas" panose="020B0609020204030204" pitchFamily="49" charset="0"/>
-              </a:rPr>
-              <a:t>, </a:t>
-            </a:r>
-            <a:r>
-              <a:rPr lang="en-US" b="0" dirty="0">
-                <a:solidFill>
-                  <a:srgbClr val="098658"/>
-                </a:solidFill>
-                <a:effectLst/>
-                <a:latin typeface="Consolas" panose="020B0609020204030204" pitchFamily="49" charset="0"/>
-              </a:rPr>
-              <a:t>4</a:t>
-            </a:r>
-            <a:r>
-              <a:rPr lang="en-US" b="0" dirty="0">
-                <a:solidFill>
-                  <a:srgbClr val="000000"/>
-                </a:solidFill>
-                <a:effectLst/>
-                <a:latin typeface="Consolas" panose="020B0609020204030204" pitchFamily="49" charset="0"/>
-              </a:rPr>
-              <a:t>, </a:t>
-            </a:r>
-            <a:r>
-              <a:rPr lang="en-US" b="0" dirty="0">
-                <a:solidFill>
-                  <a:srgbClr val="098658"/>
-                </a:solidFill>
-                <a:effectLst/>
-                <a:latin typeface="Consolas" panose="020B0609020204030204" pitchFamily="49" charset="0"/>
-              </a:rPr>
-              <a:t>0</a:t>
-            </a:r>
-            <a:r>
-              <a:rPr lang="en-US" b="0" dirty="0">
-                <a:solidFill>
-                  <a:srgbClr val="000000"/>
-                </a:solidFill>
-                <a:effectLst/>
-                <a:latin typeface="Consolas" panose="020B0609020204030204" pitchFamily="49" charset="0"/>
-              </a:rPr>
-              <a:t>, </a:t>
-            </a:r>
-            <a:r>
-              <a:rPr lang="en-US" b="0" dirty="0">
-                <a:solidFill>
-                  <a:srgbClr val="098658"/>
-                </a:solidFill>
-                <a:effectLst/>
-                <a:latin typeface="Consolas" panose="020B0609020204030204" pitchFamily="49" charset="0"/>
-              </a:rPr>
-              <a:t>0</a:t>
-            </a:r>
-            <a:r>
-              <a:rPr lang="en-US" b="0" dirty="0">
-                <a:solidFill>
-                  <a:srgbClr val="000000"/>
-                </a:solidFill>
-                <a:effectLst/>
-                <a:latin typeface="Consolas" panose="020B0609020204030204" pitchFamily="49" charset="0"/>
-              </a:rPr>
-              <a:t>, </a:t>
-            </a:r>
-            <a:r>
-              <a:rPr lang="en-US" b="0" dirty="0">
-                <a:solidFill>
-                  <a:srgbClr val="098658"/>
-                </a:solidFill>
-                <a:effectLst/>
-                <a:latin typeface="Consolas" panose="020B0609020204030204" pitchFamily="49" charset="0"/>
-              </a:rPr>
-              <a:t>5</a:t>
-            </a:r>
-            <a:r>
-              <a:rPr lang="en-US" b="0" dirty="0">
-                <a:solidFill>
-                  <a:srgbClr val="000000"/>
-                </a:solidFill>
-                <a:effectLst/>
-                <a:latin typeface="Consolas" panose="020B0609020204030204" pitchFamily="49" charset="0"/>
-              </a:rPr>
-              <a:t>};</a:t>
-            </a:r>
-          </a:p>
-          <a:p>
-            <a:endParaRPr lang="en-US" b="0" dirty="0">
-              <a:solidFill>
-                <a:srgbClr val="0000FF"/>
-              </a:solidFill>
-              <a:effectLst/>
-              <a:latin typeface="Consolas" panose="020B0609020204030204" pitchFamily="49" charset="0"/>
-            </a:endParaRPr>
-          </a:p>
-          <a:p>
-            <a:endParaRPr lang="en-US" dirty="0">
-              <a:solidFill>
-                <a:srgbClr val="0000FF"/>
-              </a:solidFill>
-              <a:latin typeface="Consolas" panose="020B0609020204030204" pitchFamily="49" charset="0"/>
-            </a:endParaRPr>
-          </a:p>
-          <a:p>
-            <a:r>
-              <a:rPr lang="en-US" b="0" dirty="0">
-                <a:solidFill>
-                  <a:srgbClr val="0000FF"/>
-                </a:solidFill>
-                <a:effectLst/>
-                <a:latin typeface="Consolas" panose="020B0609020204030204" pitchFamily="49" charset="0"/>
-              </a:rPr>
-              <a:t>public</a:t>
-            </a:r>
-            <a:r>
-              <a:rPr lang="en-US" b="0" dirty="0">
-                <a:solidFill>
-                  <a:srgbClr val="000000"/>
-                </a:solidFill>
-                <a:effectLst/>
-                <a:latin typeface="Consolas" panose="020B0609020204030204" pitchFamily="49" charset="0"/>
-              </a:rPr>
-              <a:t> </a:t>
-            </a:r>
-            <a:r>
-              <a:rPr lang="en-US" b="0" dirty="0">
-                <a:solidFill>
-                  <a:srgbClr val="0000FF"/>
-                </a:solidFill>
-                <a:effectLst/>
-                <a:latin typeface="Consolas" panose="020B0609020204030204" pitchFamily="49" charset="0"/>
-              </a:rPr>
-              <a:t>static</a:t>
-            </a:r>
-            <a:r>
-              <a:rPr lang="en-US" b="0" dirty="0">
-                <a:solidFill>
-                  <a:srgbClr val="000000"/>
-                </a:solidFill>
-                <a:effectLst/>
-                <a:latin typeface="Consolas" panose="020B0609020204030204" pitchFamily="49" charset="0"/>
-              </a:rPr>
-              <a:t> </a:t>
-            </a:r>
-            <a:r>
-              <a:rPr lang="en-US" b="0" dirty="0">
-                <a:solidFill>
-                  <a:srgbClr val="0000FF"/>
-                </a:solidFill>
-                <a:effectLst/>
-                <a:latin typeface="Consolas" panose="020B0609020204030204" pitchFamily="49" charset="0"/>
-              </a:rPr>
-              <a:t>void</a:t>
-            </a:r>
-            <a:r>
-              <a:rPr lang="en-US" b="0" dirty="0">
-                <a:solidFill>
-                  <a:srgbClr val="000000"/>
-                </a:solidFill>
-                <a:effectLst/>
-                <a:latin typeface="Consolas" panose="020B0609020204030204" pitchFamily="49" charset="0"/>
-              </a:rPr>
-              <a:t> main(</a:t>
-            </a:r>
-            <a:r>
-              <a:rPr lang="en-US" b="0" dirty="0">
-                <a:solidFill>
-                  <a:srgbClr val="0000FF"/>
-                </a:solidFill>
-                <a:effectLst/>
-                <a:latin typeface="Consolas" panose="020B0609020204030204" pitchFamily="49" charset="0"/>
-              </a:rPr>
-              <a:t>String</a:t>
-            </a:r>
-            <a:r>
-              <a:rPr lang="en-US" b="0" dirty="0">
-                <a:solidFill>
-                  <a:srgbClr val="000000"/>
-                </a:solidFill>
-                <a:effectLst/>
-                <a:latin typeface="Consolas" panose="020B0609020204030204" pitchFamily="49" charset="0"/>
-              </a:rPr>
-              <a:t> </a:t>
-            </a:r>
-            <a:r>
-              <a:rPr lang="en-US" b="0" dirty="0" err="1">
-                <a:solidFill>
-                  <a:srgbClr val="000000"/>
-                </a:solidFill>
-                <a:effectLst/>
-                <a:latin typeface="Consolas" panose="020B0609020204030204" pitchFamily="49" charset="0"/>
-              </a:rPr>
-              <a:t>args</a:t>
-            </a:r>
-            <a:r>
-              <a:rPr lang="en-US" b="0" dirty="0">
-                <a:solidFill>
-                  <a:srgbClr val="000000"/>
-                </a:solidFill>
-                <a:effectLst/>
-                <a:latin typeface="Consolas" panose="020B0609020204030204" pitchFamily="49" charset="0"/>
-              </a:rPr>
-              <a:t>[]){</a:t>
-            </a:r>
-          </a:p>
-          <a:p>
-            <a:r>
-              <a:rPr lang="en-US" b="0" dirty="0">
-                <a:solidFill>
-                  <a:srgbClr val="000000"/>
-                </a:solidFill>
-                <a:effectLst/>
-                <a:latin typeface="Consolas" panose="020B0609020204030204" pitchFamily="49" charset="0"/>
-              </a:rPr>
-              <a:t>      </a:t>
-            </a:r>
-            <a:r>
-              <a:rPr lang="en-US" b="0" dirty="0" err="1">
-                <a:solidFill>
-                  <a:srgbClr val="000000"/>
-                </a:solidFill>
-                <a:effectLst/>
-                <a:latin typeface="Consolas" panose="020B0609020204030204" pitchFamily="49" charset="0"/>
-              </a:rPr>
-              <a:t>System.out.println</a:t>
-            </a:r>
-            <a:r>
-              <a:rPr lang="en-US" b="0" dirty="0">
-                <a:solidFill>
-                  <a:srgbClr val="000000"/>
-                </a:solidFill>
-                <a:effectLst/>
-                <a:latin typeface="Consolas" panose="020B0609020204030204" pitchFamily="49" charset="0"/>
-              </a:rPr>
-              <a:t>(</a:t>
-            </a:r>
-            <a:r>
-              <a:rPr lang="en-US" b="0" dirty="0" err="1">
-                <a:solidFill>
-                  <a:srgbClr val="000000"/>
-                </a:solidFill>
-                <a:effectLst/>
-                <a:latin typeface="Consolas" panose="020B0609020204030204" pitchFamily="49" charset="0"/>
-              </a:rPr>
-              <a:t>countEm</a:t>
-            </a:r>
-            <a:r>
-              <a:rPr lang="en-US" b="0" dirty="0">
-                <a:solidFill>
-                  <a:srgbClr val="000000"/>
-                </a:solidFill>
-                <a:effectLst/>
-                <a:latin typeface="Consolas" panose="020B0609020204030204" pitchFamily="49" charset="0"/>
-              </a:rPr>
-              <a:t>(</a:t>
-            </a:r>
-            <a:r>
-              <a:rPr lang="en-US" b="0" dirty="0">
-                <a:solidFill>
-                  <a:srgbClr val="098658"/>
-                </a:solidFill>
-                <a:effectLst/>
-                <a:latin typeface="Consolas" panose="020B0609020204030204" pitchFamily="49" charset="0"/>
-              </a:rPr>
-              <a:t>0</a:t>
+                <a:latin typeface="Consolas" panose="020B0609020204030204" pitchFamily="49" charset="0"/>
+              </a:rPr>
+              <a:t>5, 2</a:t>
             </a:r>
             <a:r>
               <a:rPr lang="en-US" b="0" dirty="0">
@@ -5060,7 +4844,7 @@
         <p:spPr>
           <a:xfrm>
             <a:off x="675968" y="1041871"/>
-            <a:ext cx="6366386" cy="2585323"/>
+            <a:ext cx="6366386" cy="2308324"/>
           </a:xfrm>
           <a:prstGeom prst="rect">
             <a:avLst/>
@@ -5076,12 +4860,22 @@
             <a:r>
               <a:rPr lang="en-US" b="0" dirty="0">
                 <a:solidFill>
+                  <a:srgbClr val="000000"/>
+                </a:solidFill>
+                <a:effectLst/>
+                <a:latin typeface="Consolas" panose="020B0609020204030204" pitchFamily="49" charset="0"/>
+              </a:rPr>
+              <a:t>  </a:t>
+            </a:r>
+            <a:r>
+              <a:rPr lang="en-US" b="0" dirty="0">
+                <a:solidFill>
                   <a:srgbClr val="0000FF"/>
                 </a:solidFill>
                 <a:effectLst/>
                 <a:latin typeface="Consolas" panose="020B0609020204030204" pitchFamily="49" charset="0"/>
               </a:rPr>
-              <a:t>public</a:t>
+              <a:t>static</a:t>
             </a:r>
             <a:r>
               <a:rPr lang="en-US" b="0" dirty="0">
@@ -5101,17 +4895,17 @@
                 <a:effectLst/>
                 <a:latin typeface="Consolas" panose="020B0609020204030204" pitchFamily="49" charset="0"/>
               </a:rPr>
-              <a:t>static</a:t>
-            </a:r>
-            <a:r>
-              <a:rPr lang="en-US" b="0" dirty="0">
-                <a:solidFill>
-                  <a:srgbClr val="000000"/>
-                </a:solidFill>
-                <a:effectLst/>
-                <a:latin typeface="Consolas" panose="020B0609020204030204" pitchFamily="49" charset="0"/>
-              </a:rPr>
-              <a:t> </a:t>
+              <a:t>int</a:t>
+            </a:r>
+            <a:r>
+              <a:rPr lang="en-US" b="0" dirty="0">
+                <a:solidFill>
+                  <a:srgbClr val="000000"/>
+                </a:solidFill>
+                <a:effectLst/>
+                <a:latin typeface="Consolas" panose="020B0609020204030204" pitchFamily="49" charset="0"/>
+              </a:rPr>
+              <a:t> fun1(</a:t>
             </a:r>
             <a:r>
               <a:rPr lang="en-US" b="0" dirty="0">
@@ -5131,27 +4925,7 @@
                 <a:effectLst/>
                 <a:latin typeface="Consolas" panose="020B0609020204030204" pitchFamily="49" charset="0"/>
               </a:rPr>
-              <a:t> </a:t>
-            </a:r>
-            <a:r>
-              <a:rPr lang="en-US" b="0" dirty="0" err="1">
-                <a:solidFill>
-                  <a:srgbClr val="000000"/>
-                </a:solidFill>
-                <a:effectLst/>
-                <a:latin typeface="Consolas" panose="020B0609020204030204" pitchFamily="49" charset="0"/>
-              </a:rPr>
-              <a:t>countEm</a:t>
-            </a:r>
-            <a:r>
-              <a:rPr lang="en-US" b="0" dirty="0">
-                <a:solidFill>
-                  <a:srgbClr val="000000"/>
-                </a:solidFill>
-                <a:effectLst/>
-                <a:latin typeface="Consolas" panose="020B0609020204030204" pitchFamily="49" charset="0"/>
-              </a:rPr>
-              <a:t>(</a:t>
+              <a:t> x, </a:t>
             </a:r>
             <a:r>
               <a:rPr lang="en-US" b="0" dirty="0">
@@ -5171,39 +4945,74 @@
                 <a:effectLst/>
                 <a:latin typeface="Consolas" panose="020B0609020204030204" pitchFamily="49" charset="0"/>
               </a:rPr>
-              <a:t> </a:t>
-            </a:r>
-            <a:r>
-              <a:rPr lang="en-US" b="0" dirty="0" err="1">
-                <a:solidFill>
-                  <a:srgbClr val="000000"/>
-                </a:solidFill>
-                <a:effectLst/>
-                <a:latin typeface="Consolas" panose="020B0609020204030204" pitchFamily="49" charset="0"/>
-              </a:rPr>
-              <a:t>i</a:t>
-            </a:r>
-            <a:r>
-              <a:rPr lang="en-US" b="0" dirty="0">
-                <a:solidFill>
-                  <a:srgbClr val="000000"/>
-                </a:solidFill>
-                <a:effectLst/>
-                <a:latin typeface="Consolas" panose="020B0609020204030204" pitchFamily="49" charset="0"/>
-              </a:rPr>
-              <a:t>){</a:t>
-            </a:r>
-          </a:p>
-          <a:p>
-            <a:br>
-              <a:rPr lang="en-US" b="0" dirty="0">
-                <a:solidFill>
-                  <a:srgbClr val="000000"/>
-                </a:solidFill>
-                <a:effectLst/>
-                <a:latin typeface="Consolas" panose="020B0609020204030204" pitchFamily="49" charset="0"/>
-              </a:rPr>
-            </a:br>
+              <a:t> y)</a:t>
+            </a:r>
+          </a:p>
+          <a:p>
+            <a:r>
+              <a:rPr lang="en-US" b="0" dirty="0">
+                <a:solidFill>
+                  <a:srgbClr val="000000"/>
+                </a:solidFill>
+                <a:effectLst/>
+                <a:latin typeface="Consolas" panose="020B0609020204030204" pitchFamily="49" charset="0"/>
+              </a:rPr>
+              <a:t>  {</a:t>
+            </a:r>
+          </a:p>
+          <a:p>
+            <a:r>
+              <a:rPr lang="en-US" b="0" dirty="0">
+                <a:solidFill>
+                  <a:srgbClr val="000000"/>
+                </a:solidFill>
+                <a:effectLst/>
+                <a:latin typeface="Consolas" panose="020B0609020204030204" pitchFamily="49" charset="0"/>
+              </a:rPr>
+              <a:t>    </a:t>
+            </a:r>
+            <a:r>
+              <a:rPr lang="en-US" b="0" dirty="0">
+                <a:solidFill>
+                  <a:srgbClr val="0000FF"/>
+                </a:solidFill>
+                <a:effectLst/>
+                <a:latin typeface="Consolas" panose="020B0609020204030204" pitchFamily="49" charset="0"/>
+              </a:rPr>
+              <a:t>if</a:t>
+            </a:r>
+            <a:r>
+              <a:rPr lang="en-US" b="0" dirty="0">
+                <a:solidFill>
+                  <a:srgbClr val="000000"/>
+                </a:solidFill>
+                <a:effectLst/>
+                <a:latin typeface="Consolas" panose="020B0609020204030204" pitchFamily="49" charset="0"/>
+              </a:rPr>
+              <a:t> (x == </a:t>
+            </a:r>
+            <a:r>
+              <a:rPr lang="en-US" b="0" dirty="0">
+                <a:solidFill>
+                  <a:srgbClr val="098658"/>
+                </a:solidFill>
+                <a:effectLst/>
+                <a:latin typeface="Consolas" panose="020B0609020204030204" pitchFamily="49" charset="0"/>
+              </a:rPr>
+              <a:t>0</a:t>
+            </a:r>
+            <a:r>
+              <a:rPr lang="en-US" b="0" dirty="0">
+                <a:solidFill>
+                  <a:srgbClr val="000000"/>
+                </a:solidFill>
+                <a:effectLst/>
+                <a:latin typeface="Consolas" panose="020B0609020204030204" pitchFamily="49" charset="0"/>
+              </a:rPr>
+              <a:t>)</a:t>
+            </a:r>
+          </a:p>
+          <a:p>
             <a:r>
               <a:rPr lang="en-US" b="0" dirty="0">
                 <a:solidFill>
@@ -5222,185 +5031,17 @@
                 <a:effectLst/>
                 <a:latin typeface="Consolas" panose="020B0609020204030204" pitchFamily="49" charset="0"/>
               </a:rPr>
-              <a:t>while</a:t>
-            </a:r>
-            <a:r>
-              <a:rPr lang="en-US" b="0" dirty="0">
-                <a:solidFill>
-                  <a:srgbClr val="000000"/>
-                </a:solidFill>
-                <a:effectLst/>
-                <a:latin typeface="Consolas" panose="020B0609020204030204" pitchFamily="49" charset="0"/>
-              </a:rPr>
-              <a:t>(</a:t>
-            </a:r>
-            <a:r>
-              <a:rPr lang="en-US" b="0" dirty="0" err="1">
-                <a:solidFill>
-                  <a:srgbClr val="000000"/>
-                </a:solidFill>
-                <a:effectLst/>
-                <a:latin typeface="Consolas" panose="020B0609020204030204" pitchFamily="49" charset="0"/>
-              </a:rPr>
-              <a:t>i</a:t>
-            </a:r>
-            <a:r>
-              <a:rPr lang="en-US" b="0" dirty="0">
-                <a:solidFill>
-                  <a:srgbClr val="000000"/>
-                </a:solidFill>
-                <a:effectLst/>
-                <a:latin typeface="Consolas" panose="020B0609020204030204" pitchFamily="49" charset="0"/>
-              </a:rPr>
-              <a:t>&lt;</a:t>
-            </a:r>
-            <a:r>
-              <a:rPr lang="en-US" b="0" dirty="0" err="1">
-                <a:solidFill>
-                  <a:srgbClr val="000000"/>
-                </a:solidFill>
-                <a:effectLst/>
-                <a:latin typeface="Consolas" panose="020B0609020204030204" pitchFamily="49" charset="0"/>
-              </a:rPr>
-              <a:t>a.length</a:t>
-            </a:r>
-            <a:r>
-              <a:rPr lang="en-US" b="0" dirty="0">
-                <a:solidFill>
-                  <a:srgbClr val="000000"/>
-                </a:solidFill>
-                <a:effectLst/>
-                <a:latin typeface="Consolas" panose="020B0609020204030204" pitchFamily="49" charset="0"/>
-              </a:rPr>
-              <a:t> - 1){</a:t>
-            </a:r>
-          </a:p>
-          <a:p>
-            <a:r>
-              <a:rPr lang="en-US" b="0" dirty="0">
-                <a:solidFill>
-                  <a:srgbClr val="000000"/>
-                </a:solidFill>
-                <a:effectLst/>
-                <a:latin typeface="Consolas" panose="020B0609020204030204" pitchFamily="49" charset="0"/>
-              </a:rPr>
-              <a:t>            </a:t>
-            </a:r>
-            <a:r>
-              <a:rPr lang="en-US" b="0" dirty="0" err="1">
-                <a:solidFill>
-                  <a:srgbClr val="000000"/>
-                </a:solidFill>
-                <a:effectLst/>
-                <a:latin typeface="Consolas" panose="020B0609020204030204" pitchFamily="49" charset="0"/>
-              </a:rPr>
-              <a:t>i</a:t>
-            </a:r>
-            <a:r>
-              <a:rPr lang="en-US" b="0" dirty="0">
-                <a:solidFill>
-                  <a:srgbClr val="000000"/>
-                </a:solidFill>
-                <a:effectLst/>
-                <a:latin typeface="Consolas" panose="020B0609020204030204" pitchFamily="49" charset="0"/>
-              </a:rPr>
-              <a:t>++;</a:t>
-            </a:r>
-          </a:p>
-          <a:p>
-            <a:r>
-              <a:rPr lang="en-US" b="0" dirty="0">
-                <a:solidFill>
-                  <a:srgbClr val="000000"/>
-                </a:solidFill>
-                <a:effectLst/>
-                <a:latin typeface="Consolas" panose="020B0609020204030204" pitchFamily="49" charset="0"/>
-              </a:rPr>
-              <a:t>            sum+=a[</a:t>
-            </a:r>
-            <a:r>
-              <a:rPr lang="en-US" b="0" dirty="0" err="1">
-                <a:solidFill>
-                  <a:srgbClr val="000000"/>
-                </a:solidFill>
-                <a:effectLst/>
-                <a:latin typeface="Consolas" panose="020B0609020204030204" pitchFamily="49" charset="0"/>
-              </a:rPr>
-              <a:t>i</a:t>
-            </a:r>
-            <a:r>
-              <a:rPr lang="en-US" b="0" dirty="0">
-                <a:solidFill>
-                  <a:srgbClr val="000000"/>
-                </a:solidFill>
-                <a:effectLst/>
-                <a:latin typeface="Consolas" panose="020B0609020204030204" pitchFamily="49" charset="0"/>
-              </a:rPr>
-              <a:t>];</a:t>
-            </a:r>
-          </a:p>
-          <a:p>
-            <a:r>
-              <a:rPr lang="en-US" b="0" dirty="0">
-                <a:solidFill>
-                  <a:srgbClr val="000000"/>
-                </a:solidFill>
-                <a:effectLst/>
-                <a:latin typeface="Consolas" panose="020B0609020204030204" pitchFamily="49" charset="0"/>
-              </a:rPr>
-              <a:t>            </a:t>
-            </a:r>
-            <a:r>
-              <a:rPr lang="en-US" b="0" dirty="0" err="1">
-                <a:solidFill>
-                  <a:srgbClr val="000000"/>
-                </a:solidFill>
-                <a:effectLst/>
-                <a:latin typeface="Consolas" panose="020B0609020204030204" pitchFamily="49" charset="0"/>
-              </a:rPr>
-              <a:t>countEm</a:t>
-            </a:r>
-            <a:r>
-              <a:rPr lang="en-US" b="0" dirty="0">
-                <a:solidFill>
-                  <a:srgbClr val="000000"/>
-                </a:solidFill>
-                <a:effectLst/>
-                <a:latin typeface="Consolas" panose="020B0609020204030204" pitchFamily="49" charset="0"/>
-              </a:rPr>
-              <a:t>(</a:t>
-            </a:r>
-            <a:r>
-              <a:rPr lang="en-US" b="0" dirty="0" err="1">
-                <a:solidFill>
-                  <a:srgbClr val="000000"/>
-                </a:solidFill>
-                <a:effectLst/>
-                <a:latin typeface="Consolas" panose="020B0609020204030204" pitchFamily="49" charset="0"/>
-              </a:rPr>
-              <a:t>i</a:t>
-            </a:r>
-            <a:r>
-              <a:rPr lang="en-US" b="0" dirty="0">
-                <a:solidFill>
-                  <a:srgbClr val="000000"/>
-                </a:solidFill>
-                <a:effectLst/>
-                <a:latin typeface="Consolas" panose="020B0609020204030204" pitchFamily="49" charset="0"/>
-              </a:rPr>
-              <a:t>); </a:t>
-            </a:r>
-          </a:p>
-          <a:p>
-            <a:r>
-              <a:rPr lang="en-US" b="0" dirty="0">
-                <a:solidFill>
-                  <a:srgbClr val="000000"/>
-                </a:solidFill>
-                <a:effectLst/>
-                <a:latin typeface="Consolas" panose="020B0609020204030204" pitchFamily="49" charset="0"/>
-              </a:rPr>
-              <a:t>        }</a:t>
+              <a:t>return</a:t>
+            </a:r>
+            <a:r>
+              <a:rPr lang="en-US" b="0" dirty="0">
+                <a:solidFill>
+                  <a:srgbClr val="000000"/>
+                </a:solidFill>
+                <a:effectLst/>
+                <a:latin typeface="Consolas" panose="020B0609020204030204" pitchFamily="49" charset="0"/>
+              </a:rPr>
+              <a:t> y;</a:t>
             </a:r>
           </a:p>
           <a:p>
@@ -5422,6 +5063,35 @@
                 <a:effectLst/>
                 <a:latin typeface="Consolas" panose="020B0609020204030204" pitchFamily="49" charset="0"/>
               </a:rPr>
+              <a:t>else</a:t>
+            </a:r>
+            <a:endParaRPr lang="en-US" b="0" dirty="0">
+              <a:solidFill>
+                <a:srgbClr val="000000"/>
+              </a:solidFill>
+              <a:effectLst/>
+              <a:latin typeface="Consolas" panose="020B0609020204030204" pitchFamily="49" charset="0"/>
+            </a:endParaRPr>
+          </a:p>
+          <a:p>
+            <a:r>
+              <a:rPr lang="en-US" b="0" dirty="0">
+                <a:solidFill>
+                  <a:srgbClr val="000000"/>
+                </a:solidFill>
+                <a:effectLst/>
+                <a:latin typeface="Consolas" panose="020B0609020204030204" pitchFamily="49" charset="0"/>
+              </a:rPr>
+              <a:t>        </a:t>
+            </a:r>
+            <a:r>
+              <a:rPr lang="en-US" b="0" dirty="0">
+                <a:solidFill>
+                  <a:srgbClr val="0000FF"/>
+                </a:solidFill>
+                <a:effectLst/>
+                <a:latin typeface="Consolas" panose="020B0609020204030204" pitchFamily="49" charset="0"/>
+              </a:rPr>
               <a:t>return</a:t>
             </a:r>
             <a:r>
@@ -5432,19 +5102,57 @@
                 <a:effectLst/>
                 <a:latin typeface="Consolas" panose="020B0609020204030204" pitchFamily="49" charset="0"/>
               </a:rPr>
-              <a:t> sum;</a:t>
-            </a:r>
-          </a:p>
-          <a:p>
-            <a:r>
-              <a:rPr lang="en-US" b="0" dirty="0">
-                <a:solidFill>
-                  <a:srgbClr val="000000"/>
-                </a:solidFill>
-                <a:effectLst/>
-                <a:latin typeface="Consolas" panose="020B0609020204030204" pitchFamily="49" charset="0"/>
-              </a:rPr>
-              <a:t> }</a:t>
+              <a:t> fun1(x - </a:t>
+            </a:r>
+            <a:r>
+              <a:rPr lang="en-US" b="0" dirty="0">
+                <a:solidFill>
+                  <a:srgbClr val="098658"/>
+                </a:solidFill>
+                <a:effectLst/>
+                <a:latin typeface="Consolas" panose="020B0609020204030204" pitchFamily="49" charset="0"/>
+              </a:rPr>
+              <a:t>1</a:t>
+            </a:r>
+            <a:r>
+              <a:rPr lang="en-US" b="0" dirty="0">
+                <a:solidFill>
+                  <a:srgbClr val="000000"/>
+                </a:solidFill>
+                <a:effectLst/>
+                <a:latin typeface="Consolas" panose="020B0609020204030204" pitchFamily="49" charset="0"/>
+              </a:rPr>
+              <a:t>, x + y);</a:t>
+            </a:r>
+          </a:p>
+          <a:p>
+            <a:r>
+              <a:rPr lang="en-US" dirty="0">
+                <a:solidFill>
+                  <a:srgbClr val="000000"/>
+                </a:solidFill>
+                <a:latin typeface="Consolas" panose="020B0609020204030204" pitchFamily="49" charset="0"/>
+              </a:rPr>
+              <a:t>   </a:t>
+            </a:r>
+            <a:endParaRPr lang="en-US" b="0" dirty="0">
+              <a:solidFill>
+                <a:srgbClr val="000000"/>
+              </a:solidFill>
+              <a:effectLst/>
+              <a:latin typeface="Consolas" panose="020B0609020204030204" pitchFamily="49" charset="0"/>
+            </a:endParaRPr>
+          </a:p>
+          <a:p>
+            <a:r>
+              <a:rPr lang="en-US" b="0" dirty="0">
+                <a:solidFill>
+                  <a:srgbClr val="000000"/>
+                </a:solidFill>
+                <a:effectLst/>
+                <a:latin typeface="Consolas" panose="020B0609020204030204" pitchFamily="49" charset="0"/>
+              </a:rPr>
+              <a:t>  }</a:t>
             </a:r>
           </a:p>
         </p:txBody>
